--- a/philipshue.pptx
+++ b/philipshue.pptx
@@ -276,7 +276,7 @@
           <a:p>
             <a:fld id="{8E66B9A0-DAE6-4752-ACF3-1660696D2271}" type="datetimeFigureOut">
               <a:rPr lang="ko-KR" altLang="en-US" smtClean="0"/>
-              <a:t>2019-02-11</a:t>
+              <a:t>2019-02-01</a:t>
             </a:fld>
             <a:endParaRPr lang="ko-KR" altLang="en-US"/>
           </a:p>
@@ -474,7 +474,7 @@
           <a:p>
             <a:fld id="{8E66B9A0-DAE6-4752-ACF3-1660696D2271}" type="datetimeFigureOut">
               <a:rPr lang="ko-KR" altLang="en-US" smtClean="0"/>
-              <a:t>2019-02-11</a:t>
+              <a:t>2019-02-01</a:t>
             </a:fld>
             <a:endParaRPr lang="ko-KR" altLang="en-US"/>
           </a:p>
@@ -682,7 +682,7 @@
           <a:p>
             <a:fld id="{8E66B9A0-DAE6-4752-ACF3-1660696D2271}" type="datetimeFigureOut">
               <a:rPr lang="ko-KR" altLang="en-US" smtClean="0"/>
-              <a:t>2019-02-11</a:t>
+              <a:t>2019-02-01</a:t>
             </a:fld>
             <a:endParaRPr lang="ko-KR" altLang="en-US"/>
           </a:p>
@@ -880,7 +880,7 @@
           <a:p>
             <a:fld id="{8E66B9A0-DAE6-4752-ACF3-1660696D2271}" type="datetimeFigureOut">
               <a:rPr lang="ko-KR" altLang="en-US" smtClean="0"/>
-              <a:t>2019-02-11</a:t>
+              <a:t>2019-02-01</a:t>
             </a:fld>
             <a:endParaRPr lang="ko-KR" altLang="en-US"/>
           </a:p>
@@ -1155,7 +1155,7 @@
           <a:p>
             <a:fld id="{8E66B9A0-DAE6-4752-ACF3-1660696D2271}" type="datetimeFigureOut">
               <a:rPr lang="ko-KR" altLang="en-US" smtClean="0"/>
-              <a:t>2019-02-11</a:t>
+              <a:t>2019-02-01</a:t>
             </a:fld>
             <a:endParaRPr lang="ko-KR" altLang="en-US"/>
           </a:p>
@@ -1420,7 +1420,7 @@
           <a:p>
             <a:fld id="{8E66B9A0-DAE6-4752-ACF3-1660696D2271}" type="datetimeFigureOut">
               <a:rPr lang="ko-KR" altLang="en-US" smtClean="0"/>
-              <a:t>2019-02-11</a:t>
+              <a:t>2019-02-01</a:t>
             </a:fld>
             <a:endParaRPr lang="ko-KR" altLang="en-US"/>
           </a:p>
@@ -1832,7 +1832,7 @@
           <a:p>
             <a:fld id="{8E66B9A0-DAE6-4752-ACF3-1660696D2271}" type="datetimeFigureOut">
               <a:rPr lang="ko-KR" altLang="en-US" smtClean="0"/>
-              <a:t>2019-02-11</a:t>
+              <a:t>2019-02-01</a:t>
             </a:fld>
             <a:endParaRPr lang="ko-KR" altLang="en-US"/>
           </a:p>
@@ -1973,7 +1973,7 @@
           <a:p>
             <a:fld id="{8E66B9A0-DAE6-4752-ACF3-1660696D2271}" type="datetimeFigureOut">
               <a:rPr lang="ko-KR" altLang="en-US" smtClean="0"/>
-              <a:t>2019-02-11</a:t>
+              <a:t>2019-02-01</a:t>
             </a:fld>
             <a:endParaRPr lang="ko-KR" altLang="en-US"/>
           </a:p>
@@ -2086,7 +2086,7 @@
           <a:p>
             <a:fld id="{8E66B9A0-DAE6-4752-ACF3-1660696D2271}" type="datetimeFigureOut">
               <a:rPr lang="ko-KR" altLang="en-US" smtClean="0"/>
-              <a:t>2019-02-11</a:t>
+              <a:t>2019-02-01</a:t>
             </a:fld>
             <a:endParaRPr lang="ko-KR" altLang="en-US"/>
           </a:p>
@@ -2397,7 +2397,7 @@
           <a:p>
             <a:fld id="{8E66B9A0-DAE6-4752-ACF3-1660696D2271}" type="datetimeFigureOut">
               <a:rPr lang="ko-KR" altLang="en-US" smtClean="0"/>
-              <a:t>2019-02-11</a:t>
+              <a:t>2019-02-01</a:t>
             </a:fld>
             <a:endParaRPr lang="ko-KR" altLang="en-US"/>
           </a:p>
@@ -2685,7 +2685,7 @@
           <a:p>
             <a:fld id="{8E66B9A0-DAE6-4752-ACF3-1660696D2271}" type="datetimeFigureOut">
               <a:rPr lang="ko-KR" altLang="en-US" smtClean="0"/>
-              <a:t>2019-02-11</a:t>
+              <a:t>2019-02-01</a:t>
             </a:fld>
             <a:endParaRPr lang="ko-KR" altLang="en-US"/>
           </a:p>
@@ -2931,7 +2931,7 @@
           <a:p>
             <a:fld id="{8E66B9A0-DAE6-4752-ACF3-1660696D2271}" type="datetimeFigureOut">
               <a:rPr lang="ko-KR" altLang="en-US" smtClean="0"/>
-              <a:t>2019-02-11</a:t>
+              <a:t>2019-02-01</a:t>
             </a:fld>
             <a:endParaRPr lang="ko-KR" altLang="en-US"/>
           </a:p>
@@ -7796,7 +7796,7 @@
         </p:spPr>
         <p:txBody>
           <a:bodyPr>
-            <a:normAutofit/>
+            <a:normAutofit fontScale="90000"/>
           </a:bodyPr>
           <a:lstStyle/>
           <a:p>
@@ -8535,7 +8535,7 @@
         </p:spPr>
         <p:txBody>
           <a:bodyPr>
-            <a:normAutofit/>
+            <a:normAutofit fontScale="90000"/>
           </a:bodyPr>
           <a:lstStyle/>
           <a:p>
@@ -9087,7 +9087,7 @@
         </p:spPr>
         <p:txBody>
           <a:bodyPr>
-            <a:normAutofit/>
+            <a:normAutofit fontScale="90000"/>
           </a:bodyPr>
           <a:lstStyle/>
           <a:p>
@@ -13576,86 +13576,6 @@
               <a:t>.</a:t>
             </a:r>
           </a:p>
-          <a:p>
-            <a:pPr marL="285750" indent="-285750" algn="just">
-              <a:lnSpc>
-                <a:spcPct val="150000"/>
-              </a:lnSpc>
-              <a:buFont typeface="Arial" panose="020B0604020202020204" pitchFamily="34" charset="0"/>
-              <a:buChar char="•"/>
-            </a:pPr>
-            <a:r>
-              <a:rPr lang="en-US" altLang="ko-KR">
-                <a:solidFill>
-                  <a:schemeClr val="tx1"/>
-                </a:solidFill>
-                <a:latin typeface="한컴 윤고딕 230" panose="02020603020101020101" pitchFamily="18" charset="-127"/>
-                <a:ea typeface="한컴 윤고딕 230" panose="02020603020101020101" pitchFamily="18" charset="-127"/>
-                <a:hlinkClick r:id="rId2"/>
-              </a:rPr>
-              <a:t>http:// Bridge</a:t>
-            </a:r>
-            <a:r>
-              <a:rPr lang="en-US" altLang="ko-KR">
-                <a:solidFill>
-                  <a:schemeClr val="tx1"/>
-                </a:solidFill>
-                <a:latin typeface="한컴 윤고딕 230" panose="02020603020101020101" pitchFamily="18" charset="-127"/>
-                <a:ea typeface="한컴 윤고딕 230" panose="02020603020101020101" pitchFamily="18" charset="-127"/>
-              </a:rPr>
-              <a:t> IP </a:t>
-            </a:r>
-            <a:r>
-              <a:rPr lang="en-US" altLang="ko-KR" dirty="0">
-                <a:solidFill>
-                  <a:schemeClr val="tx1"/>
-                </a:solidFill>
-                <a:latin typeface="한컴 윤고딕 230" panose="02020603020101020101" pitchFamily="18" charset="-127"/>
-                <a:ea typeface="한컴 윤고딕 230" panose="02020603020101020101" pitchFamily="18" charset="-127"/>
-              </a:rPr>
-              <a:t>/debug/clip.html </a:t>
-            </a:r>
-            <a:r>
-              <a:rPr lang="ko-KR" altLang="en-US" dirty="0">
-                <a:solidFill>
-                  <a:schemeClr val="tx1"/>
-                </a:solidFill>
-                <a:latin typeface="한컴 윤고딕 230" panose="02020603020101020101" pitchFamily="18" charset="-127"/>
-                <a:ea typeface="한컴 윤고딕 230" panose="02020603020101020101" pitchFamily="18" charset="-127"/>
-              </a:rPr>
-              <a:t>로 </a:t>
-            </a:r>
-            <a:r>
-              <a:rPr lang="en-US" altLang="ko-KR" dirty="0">
-                <a:solidFill>
-                  <a:schemeClr val="tx1"/>
-                </a:solidFill>
-                <a:latin typeface="한컴 윤고딕 230" panose="02020603020101020101" pitchFamily="18" charset="-127"/>
-                <a:ea typeface="한컴 윤고딕 230" panose="02020603020101020101" pitchFamily="18" charset="-127"/>
-              </a:rPr>
-              <a:t>pc Web</a:t>
-            </a:r>
-            <a:r>
-              <a:rPr lang="ko-KR" altLang="en-US" dirty="0">
-                <a:solidFill>
-                  <a:schemeClr val="tx1"/>
-                </a:solidFill>
-                <a:latin typeface="한컴 윤고딕 230" panose="02020603020101020101" pitchFamily="18" charset="-127"/>
-                <a:ea typeface="한컴 윤고딕 230" panose="02020603020101020101" pitchFamily="18" charset="-127"/>
-              </a:rPr>
-              <a:t>으로도 제어 가능 하다</a:t>
-            </a:r>
-            <a:r>
-              <a:rPr lang="en-US" altLang="ko-KR" dirty="0">
-                <a:solidFill>
-                  <a:schemeClr val="tx1"/>
-                </a:solidFill>
-                <a:latin typeface="한컴 윤고딕 230" panose="02020603020101020101" pitchFamily="18" charset="-127"/>
-                <a:ea typeface="한컴 윤고딕 230" panose="02020603020101020101" pitchFamily="18" charset="-127"/>
-              </a:rPr>
-              <a:t>.</a:t>
-            </a:r>
-          </a:p>
         </p:txBody>
       </p:sp>
       <p:pic>
@@ -13673,7 +13593,7 @@
           <p:nvPr/>
         </p:nvPicPr>
         <p:blipFill>
-          <a:blip r:embed="rId3">
+          <a:blip r:embed="rId2">
             <a:extLst>
               <a:ext uri="{28A0092B-C50C-407E-A947-70E740481C1C}">
                 <a14:useLocalDpi xmlns:a14="http://schemas.microsoft.com/office/drawing/2010/main" val="0"/>
